--- a/Ppizza1_02_solution.pptx
+++ b/Ppizza1_02_solution.pptx
@@ -118,15 +118,7 @@
         <p14:section name="Section par défaut" id="{84A9D7E6-F047-4B80-A6D4-31B6E8B95CB1}">
           <p14:sldIdLst>
             <p14:sldId id="257"/>
-          </p14:sldIdLst>
-        </p14:section>
-        <p14:section name="Disponibilités horaires" id="{D5555809-CD4D-4722-9959-3E8070BBF4A6}">
-          <p14:sldIdLst>
             <p14:sldId id="258"/>
-          </p14:sldIdLst>
-        </p14:section>
-        <p14:section name="Dates prévisionnelles" id="{45513DAD-45E8-4814-8E59-33AA3BD7C6CE}">
-          <p14:sldIdLst>
             <p14:sldId id="260"/>
           </p14:sldIdLst>
         </p14:section>
@@ -226,7 +218,7 @@
             <a:pPr rtl="0"/>
             <a:fld id="{F2641A86-FBF4-4831-9FF4-7B487F3492D7}" type="datetime1">
               <a:rPr lang="fr-FR" smtClean="0"/>
-              <a:t>16/08/2020</a:t>
+              <a:t>18/08/2020</a:t>
             </a:fld>
             <a:endParaRPr lang="en-US" dirty="0"/>
           </a:p>
@@ -396,7 +388,7 @@
             <a:pPr rtl="0"/>
             <a:fld id="{1713F8BB-B1B5-4D35-A08C-A275931309FC}" type="datetime1">
               <a:rPr lang="fr-FR" smtClean="0"/>
-              <a:t>16/08/2020</a:t>
+              <a:t>18/08/2020</a:t>
             </a:fld>
             <a:endParaRPr lang="en-US"/>
           </a:p>
@@ -1005,7 +997,7 @@
             <a:pPr rtl="0"/>
             <a:fld id="{EABA18A1-B72F-49DD-8A51-DC4A9B10C77C}" type="datetime1">
               <a:rPr lang="fr-FR" smtClean="0"/>
-              <a:t>16/08/2020</a:t>
+              <a:t>18/08/2020</a:t>
             </a:fld>
             <a:endParaRPr lang="en-US" dirty="0"/>
           </a:p>
@@ -2096,7 +2088,7 @@
             <a:pPr rtl="0"/>
             <a:fld id="{33CD2423-DC0C-47A2-8916-10643EB35EC9}" type="datetime1">
               <a:rPr lang="fr-FR" smtClean="0"/>
-              <a:t>16/08/2020</a:t>
+              <a:t>18/08/2020</a:t>
             </a:fld>
             <a:endParaRPr lang="en-US" dirty="0"/>
           </a:p>
@@ -3080,7 +3072,7 @@
             <a:pPr rtl="0"/>
             <a:fld id="{33CD2423-DC0C-47A2-8916-10643EB35EC9}" type="datetime1">
               <a:rPr lang="fr-FR" smtClean="0"/>
-              <a:t>16/08/2020</a:t>
+              <a:t>18/08/2020</a:t>
             </a:fld>
             <a:endParaRPr lang="en-US" dirty="0"/>
           </a:p>
@@ -4218,7 +4210,7 @@
             <a:pPr rtl="0"/>
             <a:fld id="{33CD2423-DC0C-47A2-8916-10643EB35EC9}" type="datetime1">
               <a:rPr lang="fr-FR" smtClean="0"/>
-              <a:t>16/08/2020</a:t>
+              <a:t>18/08/2020</a:t>
             </a:fld>
             <a:endParaRPr lang="en-US" dirty="0"/>
           </a:p>
@@ -5255,7 +5247,7 @@
             <a:pPr rtl="0"/>
             <a:fld id="{33CD2423-DC0C-47A2-8916-10643EB35EC9}" type="datetime1">
               <a:rPr lang="fr-FR" smtClean="0"/>
-              <a:t>16/08/2020</a:t>
+              <a:t>18/08/2020</a:t>
             </a:fld>
             <a:endParaRPr lang="en-US" dirty="0"/>
           </a:p>
@@ -5919,7 +5911,7 @@
             <a:pPr rtl="0"/>
             <a:fld id="{33CD2423-DC0C-47A2-8916-10643EB35EC9}" type="datetime1">
               <a:rPr lang="fr-FR" smtClean="0"/>
-              <a:t>16/08/2020</a:t>
+              <a:t>18/08/2020</a:t>
             </a:fld>
             <a:endParaRPr lang="en-US" dirty="0"/>
           </a:p>
@@ -6784,7 +6776,7 @@
             <a:pPr rtl="0"/>
             <a:fld id="{33CD2423-DC0C-47A2-8916-10643EB35EC9}" type="datetime1">
               <a:rPr lang="fr-FR" smtClean="0"/>
-              <a:t>16/08/2020</a:t>
+              <a:t>18/08/2020</a:t>
             </a:fld>
             <a:endParaRPr lang="en-US" dirty="0"/>
           </a:p>
@@ -6978,7 +6970,7 @@
             <a:pPr rtl="0"/>
             <a:fld id="{97A74DDF-14B3-4359-B246-DC1DC867FD8F}" type="datetime1">
               <a:rPr lang="fr-FR" smtClean="0"/>
-              <a:t>16/08/2020</a:t>
+              <a:t>18/08/2020</a:t>
             </a:fld>
             <a:endParaRPr lang="en-US" dirty="0"/>
           </a:p>
@@ -7953,7 +7945,7 @@
             <a:pPr rtl="0"/>
             <a:fld id="{72DB94D9-FA33-4622-B5B0-3A212B55AFC9}" type="datetime1">
               <a:rPr lang="fr-FR" smtClean="0"/>
-              <a:t>16/08/2020</a:t>
+              <a:t>18/08/2020</a:t>
             </a:fld>
             <a:endParaRPr lang="en-US" dirty="0"/>
           </a:p>
@@ -8167,7 +8159,7 @@
             <a:pPr rtl="0"/>
             <a:fld id="{75162FBC-E467-46B8-ABE1-98D95CFF2BA6}" type="datetime1">
               <a:rPr lang="fr-FR" smtClean="0"/>
-              <a:t>16/08/2020</a:t>
+              <a:t>18/08/2020</a:t>
             </a:fld>
             <a:endParaRPr lang="en-US" dirty="0"/>
           </a:p>
@@ -9204,7 +9196,7 @@
             <a:pPr rtl="0"/>
             <a:fld id="{33CD2423-DC0C-47A2-8916-10643EB35EC9}" type="datetime1">
               <a:rPr lang="fr-FR" smtClean="0"/>
-              <a:t>16/08/2020</a:t>
+              <a:t>18/08/2020</a:t>
             </a:fld>
             <a:endParaRPr lang="en-US" dirty="0"/>
           </a:p>
@@ -9480,7 +9472,7 @@
             <a:pPr rtl="0"/>
             <a:fld id="{F810B38C-D4F5-42C2-967A-0B7FC97B2621}" type="datetime1">
               <a:rPr lang="fr-FR" smtClean="0"/>
-              <a:t>16/08/2020</a:t>
+              <a:t>18/08/2020</a:t>
             </a:fld>
             <a:endParaRPr lang="en-US" dirty="0"/>
           </a:p>
@@ -9893,7 +9885,7 @@
             <a:pPr rtl="0"/>
             <a:fld id="{76C9646D-2F82-4FD6-98A1-C2A4C26D0529}" type="datetime1">
               <a:rPr lang="fr-FR" smtClean="0"/>
-              <a:t>16/08/2020</a:t>
+              <a:t>18/08/2020</a:t>
             </a:fld>
             <a:endParaRPr lang="en-US" dirty="0"/>
           </a:p>
@@ -10023,7 +10015,7 @@
             <a:pPr rtl="0"/>
             <a:fld id="{33CD2423-DC0C-47A2-8916-10643EB35EC9}" type="datetime1">
               <a:rPr lang="fr-FR" smtClean="0"/>
-              <a:t>16/08/2020</a:t>
+              <a:t>18/08/2020</a:t>
             </a:fld>
             <a:endParaRPr lang="en-US" dirty="0"/>
           </a:p>
@@ -10122,7 +10114,7 @@
             <a:pPr rtl="0"/>
             <a:fld id="{8C7E81F3-FFCD-4236-B158-26C78CAC6E11}" type="datetime1">
               <a:rPr lang="fr-FR" smtClean="0"/>
-              <a:t>16/08/2020</a:t>
+              <a:t>18/08/2020</a:t>
             </a:fld>
             <a:endParaRPr lang="en-US" dirty="0"/>
           </a:p>
@@ -11206,7 +11198,7 @@
             <a:pPr rtl="0"/>
             <a:fld id="{0A97361A-7C50-452A-9761-2F2CCDC29838}" type="datetime1">
               <a:rPr lang="fr-FR" smtClean="0"/>
-              <a:t>16/08/2020</a:t>
+              <a:t>18/08/2020</a:t>
             </a:fld>
             <a:endParaRPr lang="en-US" dirty="0"/>
           </a:p>
@@ -12318,7 +12310,7 @@
             <a:pPr rtl="0"/>
             <a:fld id="{7E208F8F-9785-4D7E-B2D7-6FB9149CAF24}" type="datetime1">
               <a:rPr lang="fr-FR" smtClean="0"/>
-              <a:t>16/08/2020</a:t>
+              <a:t>18/08/2020</a:t>
             </a:fld>
             <a:endParaRPr lang="en-US" dirty="0"/>
           </a:p>
@@ -13318,7 +13310,7 @@
             <a:pPr rtl="0"/>
             <a:fld id="{33CD2423-DC0C-47A2-8916-10643EB35EC9}" type="datetime1">
               <a:rPr lang="fr-FR" smtClean="0"/>
-              <a:t>16/08/2020</a:t>
+              <a:t>18/08/2020</a:t>
             </a:fld>
             <a:endParaRPr lang="en-US" dirty="0"/>
           </a:p>
